--- a/ppt 16-9/0889.爱是什么.pptx
+++ b/ppt 16-9/0889.爱是什么.pptx
@@ -5,7 +5,7 @@
     <p:sldMasterId id="2147483648" r:id="rId1"/>
   </p:sldMasterIdLst>
   <p:sldIdLst>
-    <p:sldId id="2204" r:id="rId2"/>
+    <p:sldId id="2205" r:id="rId2"/>
   </p:sldIdLst>
   <p:sldSz cx="12192000" cy="6858000"/>
   <p:notesSz cx="6858000" cy="9144000"/>
@@ -129,7 +129,7 @@
           <p:cNvPr id="2" name="标题 1">
             <a:extLst>
               <a:ext uri="{FF2B5EF4-FFF2-40B4-BE49-F238E27FC236}">
-                <a16:creationId xmlns:a16="http://schemas.microsoft.com/office/drawing/2014/main" id="{68127AEB-156A-2813-6232-CF7801685827}"/>
+                <a16:creationId xmlns:a16="http://schemas.microsoft.com/office/drawing/2014/main" id="{59DA133F-8B8B-9C59-246F-6AB96169A5C1}"/>
               </a:ext>
             </a:extLst>
           </p:cNvPr>
@@ -166,7 +166,7 @@
           <p:cNvPr id="3" name="副标题 2">
             <a:extLst>
               <a:ext uri="{FF2B5EF4-FFF2-40B4-BE49-F238E27FC236}">
-                <a16:creationId xmlns:a16="http://schemas.microsoft.com/office/drawing/2014/main" id="{BCF315C7-9448-59DA-8618-91BC74F79AB0}"/>
+                <a16:creationId xmlns:a16="http://schemas.microsoft.com/office/drawing/2014/main" id="{1C112341-70F0-4BB8-B0E3-C1BF44C6928A}"/>
               </a:ext>
             </a:extLst>
           </p:cNvPr>
@@ -236,7 +236,7 @@
           <p:cNvPr id="4" name="日期占位符 3">
             <a:extLst>
               <a:ext uri="{FF2B5EF4-FFF2-40B4-BE49-F238E27FC236}">
-                <a16:creationId xmlns:a16="http://schemas.microsoft.com/office/drawing/2014/main" id="{3F909D64-1D6F-CB07-CE8F-9F6F45BF8CE9}"/>
+                <a16:creationId xmlns:a16="http://schemas.microsoft.com/office/drawing/2014/main" id="{4A275B3D-58D5-EFA2-9BB5-BD51A5261FB2}"/>
               </a:ext>
             </a:extLst>
           </p:cNvPr>
@@ -252,7 +252,7 @@
           <a:bodyPr/>
           <a:lstStyle/>
           <a:p>
-            <a:fld id="{049BC265-C378-482E-A52E-24A485315E7D}" type="datetimeFigureOut">
+            <a:fld id="{8E28422E-4DC1-4F94-9EF2-FB6AD0D43F21}" type="datetimeFigureOut">
               <a:rPr lang="zh-CN" altLang="en-US" smtClean="0"/>
               <a:t>2024/3/10</a:t>
             </a:fld>
@@ -265,7 +265,7 @@
           <p:cNvPr id="5" name="页脚占位符 4">
             <a:extLst>
               <a:ext uri="{FF2B5EF4-FFF2-40B4-BE49-F238E27FC236}">
-                <a16:creationId xmlns:a16="http://schemas.microsoft.com/office/drawing/2014/main" id="{2D413DE1-8551-316D-7AD9-9664954D50C5}"/>
+                <a16:creationId xmlns:a16="http://schemas.microsoft.com/office/drawing/2014/main" id="{48648AF4-3F2E-732A-3AC6-85CBDFCD0DDE}"/>
               </a:ext>
             </a:extLst>
           </p:cNvPr>
@@ -290,7 +290,7 @@
           <p:cNvPr id="6" name="灯片编号占位符 5">
             <a:extLst>
               <a:ext uri="{FF2B5EF4-FFF2-40B4-BE49-F238E27FC236}">
-                <a16:creationId xmlns:a16="http://schemas.microsoft.com/office/drawing/2014/main" id="{A077ABC1-C708-E772-1473-7B0E49DE2139}"/>
+                <a16:creationId xmlns:a16="http://schemas.microsoft.com/office/drawing/2014/main" id="{088E74DA-A020-7C2D-5A18-4F3FE5264DB7}"/>
               </a:ext>
             </a:extLst>
           </p:cNvPr>
@@ -306,7 +306,7 @@
           <a:bodyPr/>
           <a:lstStyle/>
           <a:p>
-            <a:fld id="{7AC31D55-EABC-4EB7-A518-2E176A2F3A90}" type="slidenum">
+            <a:fld id="{C572CB54-E9FC-4A4B-8C01-3C30BD4F95B7}" type="slidenum">
               <a:rPr lang="zh-CN" altLang="en-US" smtClean="0"/>
               <a:t>‹#›</a:t>
             </a:fld>
@@ -317,7 +317,7 @@
     </p:spTree>
     <p:extLst>
       <p:ext uri="{BB962C8B-B14F-4D97-AF65-F5344CB8AC3E}">
-        <p14:creationId xmlns:p14="http://schemas.microsoft.com/office/powerpoint/2010/main" val="1358493427"/>
+        <p14:creationId xmlns:p14="http://schemas.microsoft.com/office/powerpoint/2010/main" val="3663332526"/>
       </p:ext>
     </p:extLst>
   </p:cSld>
@@ -349,7 +349,7 @@
           <p:cNvPr id="2" name="标题 1">
             <a:extLst>
               <a:ext uri="{FF2B5EF4-FFF2-40B4-BE49-F238E27FC236}">
-                <a16:creationId xmlns:a16="http://schemas.microsoft.com/office/drawing/2014/main" id="{89EDF4CB-54D8-88F6-55FB-6F95C0402008}"/>
+                <a16:creationId xmlns:a16="http://schemas.microsoft.com/office/drawing/2014/main" id="{932BA005-A88E-5774-AE6E-3693E8B71EE5}"/>
               </a:ext>
             </a:extLst>
           </p:cNvPr>
@@ -377,7 +377,7 @@
           <p:cNvPr id="3" name="竖排文字占位符 2">
             <a:extLst>
               <a:ext uri="{FF2B5EF4-FFF2-40B4-BE49-F238E27FC236}">
-                <a16:creationId xmlns:a16="http://schemas.microsoft.com/office/drawing/2014/main" id="{5390E091-D8C0-E766-6D1B-73DEC06453F9}"/>
+                <a16:creationId xmlns:a16="http://schemas.microsoft.com/office/drawing/2014/main" id="{3D2578A3-5098-957B-AA29-1F4464220D62}"/>
               </a:ext>
             </a:extLst>
           </p:cNvPr>
@@ -434,7 +434,7 @@
           <p:cNvPr id="4" name="日期占位符 3">
             <a:extLst>
               <a:ext uri="{FF2B5EF4-FFF2-40B4-BE49-F238E27FC236}">
-                <a16:creationId xmlns:a16="http://schemas.microsoft.com/office/drawing/2014/main" id="{128657FE-C1D5-F054-0DF5-40756AE07270}"/>
+                <a16:creationId xmlns:a16="http://schemas.microsoft.com/office/drawing/2014/main" id="{7056CFAD-1AC7-5E18-1072-7770AA605D5B}"/>
               </a:ext>
             </a:extLst>
           </p:cNvPr>
@@ -450,7 +450,7 @@
           <a:bodyPr/>
           <a:lstStyle/>
           <a:p>
-            <a:fld id="{049BC265-C378-482E-A52E-24A485315E7D}" type="datetimeFigureOut">
+            <a:fld id="{8E28422E-4DC1-4F94-9EF2-FB6AD0D43F21}" type="datetimeFigureOut">
               <a:rPr lang="zh-CN" altLang="en-US" smtClean="0"/>
               <a:t>2024/3/10</a:t>
             </a:fld>
@@ -463,7 +463,7 @@
           <p:cNvPr id="5" name="页脚占位符 4">
             <a:extLst>
               <a:ext uri="{FF2B5EF4-FFF2-40B4-BE49-F238E27FC236}">
-                <a16:creationId xmlns:a16="http://schemas.microsoft.com/office/drawing/2014/main" id="{FE7C745F-821E-D01D-AE63-BD9FAA1A77D7}"/>
+                <a16:creationId xmlns:a16="http://schemas.microsoft.com/office/drawing/2014/main" id="{81CCFF9A-2FDE-C452-5658-E61F96744C90}"/>
               </a:ext>
             </a:extLst>
           </p:cNvPr>
@@ -488,7 +488,7 @@
           <p:cNvPr id="6" name="灯片编号占位符 5">
             <a:extLst>
               <a:ext uri="{FF2B5EF4-FFF2-40B4-BE49-F238E27FC236}">
-                <a16:creationId xmlns:a16="http://schemas.microsoft.com/office/drawing/2014/main" id="{CE165E55-2CDD-811E-2F59-6FB9165667DD}"/>
+                <a16:creationId xmlns:a16="http://schemas.microsoft.com/office/drawing/2014/main" id="{845F7187-224D-8AD6-12C8-79609A5215F8}"/>
               </a:ext>
             </a:extLst>
           </p:cNvPr>
@@ -504,7 +504,7 @@
           <a:bodyPr/>
           <a:lstStyle/>
           <a:p>
-            <a:fld id="{7AC31D55-EABC-4EB7-A518-2E176A2F3A90}" type="slidenum">
+            <a:fld id="{C572CB54-E9FC-4A4B-8C01-3C30BD4F95B7}" type="slidenum">
               <a:rPr lang="zh-CN" altLang="en-US" smtClean="0"/>
               <a:t>‹#›</a:t>
             </a:fld>
@@ -515,7 +515,7 @@
     </p:spTree>
     <p:extLst>
       <p:ext uri="{BB962C8B-B14F-4D97-AF65-F5344CB8AC3E}">
-        <p14:creationId xmlns:p14="http://schemas.microsoft.com/office/powerpoint/2010/main" val="1131272956"/>
+        <p14:creationId xmlns:p14="http://schemas.microsoft.com/office/powerpoint/2010/main" val="2870589606"/>
       </p:ext>
     </p:extLst>
   </p:cSld>
@@ -547,7 +547,7 @@
           <p:cNvPr id="2" name="竖排标题 1">
             <a:extLst>
               <a:ext uri="{FF2B5EF4-FFF2-40B4-BE49-F238E27FC236}">
-                <a16:creationId xmlns:a16="http://schemas.microsoft.com/office/drawing/2014/main" id="{8E7F12DF-F5D5-2E94-2674-12AC4F9CDE2C}"/>
+                <a16:creationId xmlns:a16="http://schemas.microsoft.com/office/drawing/2014/main" id="{1CAB299E-0144-1F99-1517-7D3451DC2B08}"/>
               </a:ext>
             </a:extLst>
           </p:cNvPr>
@@ -580,7 +580,7 @@
           <p:cNvPr id="3" name="竖排文字占位符 2">
             <a:extLst>
               <a:ext uri="{FF2B5EF4-FFF2-40B4-BE49-F238E27FC236}">
-                <a16:creationId xmlns:a16="http://schemas.microsoft.com/office/drawing/2014/main" id="{5AB94626-8AE0-31D1-0F02-4F3EE1E89AF7}"/>
+                <a16:creationId xmlns:a16="http://schemas.microsoft.com/office/drawing/2014/main" id="{E7145D8C-88F0-043F-E254-6636D37CDFC8}"/>
               </a:ext>
             </a:extLst>
           </p:cNvPr>
@@ -642,7 +642,7 @@
           <p:cNvPr id="4" name="日期占位符 3">
             <a:extLst>
               <a:ext uri="{FF2B5EF4-FFF2-40B4-BE49-F238E27FC236}">
-                <a16:creationId xmlns:a16="http://schemas.microsoft.com/office/drawing/2014/main" id="{90781919-73D3-8B38-4C6F-D05E5EAFA5F3}"/>
+                <a16:creationId xmlns:a16="http://schemas.microsoft.com/office/drawing/2014/main" id="{017FA3D0-FA85-AC1D-6C56-E0559E37EA85}"/>
               </a:ext>
             </a:extLst>
           </p:cNvPr>
@@ -658,7 +658,7 @@
           <a:bodyPr/>
           <a:lstStyle/>
           <a:p>
-            <a:fld id="{049BC265-C378-482E-A52E-24A485315E7D}" type="datetimeFigureOut">
+            <a:fld id="{8E28422E-4DC1-4F94-9EF2-FB6AD0D43F21}" type="datetimeFigureOut">
               <a:rPr lang="zh-CN" altLang="en-US" smtClean="0"/>
               <a:t>2024/3/10</a:t>
             </a:fld>
@@ -671,7 +671,7 @@
           <p:cNvPr id="5" name="页脚占位符 4">
             <a:extLst>
               <a:ext uri="{FF2B5EF4-FFF2-40B4-BE49-F238E27FC236}">
-                <a16:creationId xmlns:a16="http://schemas.microsoft.com/office/drawing/2014/main" id="{76957DDA-B501-B69F-3AE3-96D7278AA089}"/>
+                <a16:creationId xmlns:a16="http://schemas.microsoft.com/office/drawing/2014/main" id="{E24CA738-FFB9-11EE-643E-177F557442DB}"/>
               </a:ext>
             </a:extLst>
           </p:cNvPr>
@@ -696,7 +696,7 @@
           <p:cNvPr id="6" name="灯片编号占位符 5">
             <a:extLst>
               <a:ext uri="{FF2B5EF4-FFF2-40B4-BE49-F238E27FC236}">
-                <a16:creationId xmlns:a16="http://schemas.microsoft.com/office/drawing/2014/main" id="{E25B4ACB-5D11-30DD-C483-18E13DF9513F}"/>
+                <a16:creationId xmlns:a16="http://schemas.microsoft.com/office/drawing/2014/main" id="{79036036-5B5A-42AD-E52A-68EA53D943D7}"/>
               </a:ext>
             </a:extLst>
           </p:cNvPr>
@@ -712,7 +712,7 @@
           <a:bodyPr/>
           <a:lstStyle/>
           <a:p>
-            <a:fld id="{7AC31D55-EABC-4EB7-A518-2E176A2F3A90}" type="slidenum">
+            <a:fld id="{C572CB54-E9FC-4A4B-8C01-3C30BD4F95B7}" type="slidenum">
               <a:rPr lang="zh-CN" altLang="en-US" smtClean="0"/>
               <a:t>‹#›</a:t>
             </a:fld>
@@ -723,7 +723,7 @@
     </p:spTree>
     <p:extLst>
       <p:ext uri="{BB962C8B-B14F-4D97-AF65-F5344CB8AC3E}">
-        <p14:creationId xmlns:p14="http://schemas.microsoft.com/office/powerpoint/2010/main" val="4228937846"/>
+        <p14:creationId xmlns:p14="http://schemas.microsoft.com/office/powerpoint/2010/main" val="3836248663"/>
       </p:ext>
     </p:extLst>
   </p:cSld>
@@ -755,7 +755,7 @@
           <p:cNvPr id="2" name="标题 1">
             <a:extLst>
               <a:ext uri="{FF2B5EF4-FFF2-40B4-BE49-F238E27FC236}">
-                <a16:creationId xmlns:a16="http://schemas.microsoft.com/office/drawing/2014/main" id="{723BEF7B-BA9C-83B6-6E48-EED19ED4302F}"/>
+                <a16:creationId xmlns:a16="http://schemas.microsoft.com/office/drawing/2014/main" id="{44F288C2-2CBE-8192-1906-F7329C2286E4}"/>
               </a:ext>
             </a:extLst>
           </p:cNvPr>
@@ -783,7 +783,7 @@
           <p:cNvPr id="3" name="内容占位符 2">
             <a:extLst>
               <a:ext uri="{FF2B5EF4-FFF2-40B4-BE49-F238E27FC236}">
-                <a16:creationId xmlns:a16="http://schemas.microsoft.com/office/drawing/2014/main" id="{39836479-DD42-E61B-7D38-DB6773CD02E6}"/>
+                <a16:creationId xmlns:a16="http://schemas.microsoft.com/office/drawing/2014/main" id="{85B22C58-1F7F-5EE8-54B9-A61525913FF2}"/>
               </a:ext>
             </a:extLst>
           </p:cNvPr>
@@ -840,7 +840,7 @@
           <p:cNvPr id="4" name="日期占位符 3">
             <a:extLst>
               <a:ext uri="{FF2B5EF4-FFF2-40B4-BE49-F238E27FC236}">
-                <a16:creationId xmlns:a16="http://schemas.microsoft.com/office/drawing/2014/main" id="{1641911B-D846-BF51-6AE5-6AA7E09ECBFF}"/>
+                <a16:creationId xmlns:a16="http://schemas.microsoft.com/office/drawing/2014/main" id="{880EE7EB-B888-B56F-DB5E-ABAC52620718}"/>
               </a:ext>
             </a:extLst>
           </p:cNvPr>
@@ -856,7 +856,7 @@
           <a:bodyPr/>
           <a:lstStyle/>
           <a:p>
-            <a:fld id="{049BC265-C378-482E-A52E-24A485315E7D}" type="datetimeFigureOut">
+            <a:fld id="{8E28422E-4DC1-4F94-9EF2-FB6AD0D43F21}" type="datetimeFigureOut">
               <a:rPr lang="zh-CN" altLang="en-US" smtClean="0"/>
               <a:t>2024/3/10</a:t>
             </a:fld>
@@ -869,7 +869,7 @@
           <p:cNvPr id="5" name="页脚占位符 4">
             <a:extLst>
               <a:ext uri="{FF2B5EF4-FFF2-40B4-BE49-F238E27FC236}">
-                <a16:creationId xmlns:a16="http://schemas.microsoft.com/office/drawing/2014/main" id="{26B7DBFE-4F65-8819-E56D-8AF3BFB24D9A}"/>
+                <a16:creationId xmlns:a16="http://schemas.microsoft.com/office/drawing/2014/main" id="{C6B83A1A-B4C0-ADE9-290E-032AF99BA8FC}"/>
               </a:ext>
             </a:extLst>
           </p:cNvPr>
@@ -894,7 +894,7 @@
           <p:cNvPr id="6" name="灯片编号占位符 5">
             <a:extLst>
               <a:ext uri="{FF2B5EF4-FFF2-40B4-BE49-F238E27FC236}">
-                <a16:creationId xmlns:a16="http://schemas.microsoft.com/office/drawing/2014/main" id="{3D447879-9E1C-A666-299C-15281848B540}"/>
+                <a16:creationId xmlns:a16="http://schemas.microsoft.com/office/drawing/2014/main" id="{5C71E471-C85A-47B7-8F6A-FEABA81ACF2C}"/>
               </a:ext>
             </a:extLst>
           </p:cNvPr>
@@ -910,7 +910,7 @@
           <a:bodyPr/>
           <a:lstStyle/>
           <a:p>
-            <a:fld id="{7AC31D55-EABC-4EB7-A518-2E176A2F3A90}" type="slidenum">
+            <a:fld id="{C572CB54-E9FC-4A4B-8C01-3C30BD4F95B7}" type="slidenum">
               <a:rPr lang="zh-CN" altLang="en-US" smtClean="0"/>
               <a:t>‹#›</a:t>
             </a:fld>
@@ -921,7 +921,7 @@
     </p:spTree>
     <p:extLst>
       <p:ext uri="{BB962C8B-B14F-4D97-AF65-F5344CB8AC3E}">
-        <p14:creationId xmlns:p14="http://schemas.microsoft.com/office/powerpoint/2010/main" val="3575283648"/>
+        <p14:creationId xmlns:p14="http://schemas.microsoft.com/office/powerpoint/2010/main" val="598274260"/>
       </p:ext>
     </p:extLst>
   </p:cSld>
@@ -953,7 +953,7 @@
           <p:cNvPr id="2" name="标题 1">
             <a:extLst>
               <a:ext uri="{FF2B5EF4-FFF2-40B4-BE49-F238E27FC236}">
-                <a16:creationId xmlns:a16="http://schemas.microsoft.com/office/drawing/2014/main" id="{03BD6A37-61E3-9903-8767-AC4E51AEBB46}"/>
+                <a16:creationId xmlns:a16="http://schemas.microsoft.com/office/drawing/2014/main" id="{8A0D4DDD-D4CF-61C0-D026-4B6B340B8EAA}"/>
               </a:ext>
             </a:extLst>
           </p:cNvPr>
@@ -990,7 +990,7 @@
           <p:cNvPr id="3" name="文本占位符 2">
             <a:extLst>
               <a:ext uri="{FF2B5EF4-FFF2-40B4-BE49-F238E27FC236}">
-                <a16:creationId xmlns:a16="http://schemas.microsoft.com/office/drawing/2014/main" id="{5682DC7C-2FE8-AEE0-A529-47EEBAC54F71}"/>
+                <a16:creationId xmlns:a16="http://schemas.microsoft.com/office/drawing/2014/main" id="{E10B03D7-ADA4-3240-93A0-AAAA03F27877}"/>
               </a:ext>
             </a:extLst>
           </p:cNvPr>
@@ -1115,7 +1115,7 @@
           <p:cNvPr id="4" name="日期占位符 3">
             <a:extLst>
               <a:ext uri="{FF2B5EF4-FFF2-40B4-BE49-F238E27FC236}">
-                <a16:creationId xmlns:a16="http://schemas.microsoft.com/office/drawing/2014/main" id="{9647F0DA-6A20-D8DE-9F0A-EA70706FBBD5}"/>
+                <a16:creationId xmlns:a16="http://schemas.microsoft.com/office/drawing/2014/main" id="{A0029F9E-4E9A-7103-DF05-DEA79DBCE5BA}"/>
               </a:ext>
             </a:extLst>
           </p:cNvPr>
@@ -1131,7 +1131,7 @@
           <a:bodyPr/>
           <a:lstStyle/>
           <a:p>
-            <a:fld id="{049BC265-C378-482E-A52E-24A485315E7D}" type="datetimeFigureOut">
+            <a:fld id="{8E28422E-4DC1-4F94-9EF2-FB6AD0D43F21}" type="datetimeFigureOut">
               <a:rPr lang="zh-CN" altLang="en-US" smtClean="0"/>
               <a:t>2024/3/10</a:t>
             </a:fld>
@@ -1144,7 +1144,7 @@
           <p:cNvPr id="5" name="页脚占位符 4">
             <a:extLst>
               <a:ext uri="{FF2B5EF4-FFF2-40B4-BE49-F238E27FC236}">
-                <a16:creationId xmlns:a16="http://schemas.microsoft.com/office/drawing/2014/main" id="{D2C72893-69A3-34A1-26A9-FE47DB93334D}"/>
+                <a16:creationId xmlns:a16="http://schemas.microsoft.com/office/drawing/2014/main" id="{781DA172-6B83-398E-C614-F474F5EB4C10}"/>
               </a:ext>
             </a:extLst>
           </p:cNvPr>
@@ -1169,7 +1169,7 @@
           <p:cNvPr id="6" name="灯片编号占位符 5">
             <a:extLst>
               <a:ext uri="{FF2B5EF4-FFF2-40B4-BE49-F238E27FC236}">
-                <a16:creationId xmlns:a16="http://schemas.microsoft.com/office/drawing/2014/main" id="{6DDA71D1-3B12-4E20-6AF9-ED7C02C99B6E}"/>
+                <a16:creationId xmlns:a16="http://schemas.microsoft.com/office/drawing/2014/main" id="{F184AFCB-2A5E-5986-B4B6-03E8120BA06E}"/>
               </a:ext>
             </a:extLst>
           </p:cNvPr>
@@ -1185,7 +1185,7 @@
           <a:bodyPr/>
           <a:lstStyle/>
           <a:p>
-            <a:fld id="{7AC31D55-EABC-4EB7-A518-2E176A2F3A90}" type="slidenum">
+            <a:fld id="{C572CB54-E9FC-4A4B-8C01-3C30BD4F95B7}" type="slidenum">
               <a:rPr lang="zh-CN" altLang="en-US" smtClean="0"/>
               <a:t>‹#›</a:t>
             </a:fld>
@@ -1196,7 +1196,7 @@
     </p:spTree>
     <p:extLst>
       <p:ext uri="{BB962C8B-B14F-4D97-AF65-F5344CB8AC3E}">
-        <p14:creationId xmlns:p14="http://schemas.microsoft.com/office/powerpoint/2010/main" val="4155563964"/>
+        <p14:creationId xmlns:p14="http://schemas.microsoft.com/office/powerpoint/2010/main" val="2796651425"/>
       </p:ext>
     </p:extLst>
   </p:cSld>
@@ -1228,7 +1228,7 @@
           <p:cNvPr id="2" name="标题 1">
             <a:extLst>
               <a:ext uri="{FF2B5EF4-FFF2-40B4-BE49-F238E27FC236}">
-                <a16:creationId xmlns:a16="http://schemas.microsoft.com/office/drawing/2014/main" id="{124167E3-6440-606E-00E1-408A4EC23DE8}"/>
+                <a16:creationId xmlns:a16="http://schemas.microsoft.com/office/drawing/2014/main" id="{68D9E461-8F5F-7711-7E48-A00DCF604A57}"/>
               </a:ext>
             </a:extLst>
           </p:cNvPr>
@@ -1256,7 +1256,7 @@
           <p:cNvPr id="3" name="内容占位符 2">
             <a:extLst>
               <a:ext uri="{FF2B5EF4-FFF2-40B4-BE49-F238E27FC236}">
-                <a16:creationId xmlns:a16="http://schemas.microsoft.com/office/drawing/2014/main" id="{6DD0B468-6983-6908-AD42-EC46FC9F7415}"/>
+                <a16:creationId xmlns:a16="http://schemas.microsoft.com/office/drawing/2014/main" id="{C67B79C7-923F-3087-0CE7-102522DB80AB}"/>
               </a:ext>
             </a:extLst>
           </p:cNvPr>
@@ -1318,7 +1318,7 @@
           <p:cNvPr id="4" name="内容占位符 3">
             <a:extLst>
               <a:ext uri="{FF2B5EF4-FFF2-40B4-BE49-F238E27FC236}">
-                <a16:creationId xmlns:a16="http://schemas.microsoft.com/office/drawing/2014/main" id="{70480304-D282-51E1-C942-54172EF8A4D0}"/>
+                <a16:creationId xmlns:a16="http://schemas.microsoft.com/office/drawing/2014/main" id="{70FE7BA3-C47E-1017-0CFF-AEC6A990DBD5}"/>
               </a:ext>
             </a:extLst>
           </p:cNvPr>
@@ -1380,7 +1380,7 @@
           <p:cNvPr id="5" name="日期占位符 4">
             <a:extLst>
               <a:ext uri="{FF2B5EF4-FFF2-40B4-BE49-F238E27FC236}">
-                <a16:creationId xmlns:a16="http://schemas.microsoft.com/office/drawing/2014/main" id="{23EA767F-FDA9-C20C-23E0-F7852394C758}"/>
+                <a16:creationId xmlns:a16="http://schemas.microsoft.com/office/drawing/2014/main" id="{07EA8B57-EFA2-134C-F072-D5B4E5C7A43A}"/>
               </a:ext>
             </a:extLst>
           </p:cNvPr>
@@ -1396,7 +1396,7 @@
           <a:bodyPr/>
           <a:lstStyle/>
           <a:p>
-            <a:fld id="{049BC265-C378-482E-A52E-24A485315E7D}" type="datetimeFigureOut">
+            <a:fld id="{8E28422E-4DC1-4F94-9EF2-FB6AD0D43F21}" type="datetimeFigureOut">
               <a:rPr lang="zh-CN" altLang="en-US" smtClean="0"/>
               <a:t>2024/3/10</a:t>
             </a:fld>
@@ -1409,7 +1409,7 @@
           <p:cNvPr id="6" name="页脚占位符 5">
             <a:extLst>
               <a:ext uri="{FF2B5EF4-FFF2-40B4-BE49-F238E27FC236}">
-                <a16:creationId xmlns:a16="http://schemas.microsoft.com/office/drawing/2014/main" id="{6F762E4D-0E19-1F00-2766-69AA0905305C}"/>
+                <a16:creationId xmlns:a16="http://schemas.microsoft.com/office/drawing/2014/main" id="{B87266CD-D63F-FA0A-727F-820963727DF9}"/>
               </a:ext>
             </a:extLst>
           </p:cNvPr>
@@ -1434,7 +1434,7 @@
           <p:cNvPr id="7" name="灯片编号占位符 6">
             <a:extLst>
               <a:ext uri="{FF2B5EF4-FFF2-40B4-BE49-F238E27FC236}">
-                <a16:creationId xmlns:a16="http://schemas.microsoft.com/office/drawing/2014/main" id="{41CE02A9-D436-DEB2-E97D-65047127B9E6}"/>
+                <a16:creationId xmlns:a16="http://schemas.microsoft.com/office/drawing/2014/main" id="{7BA59DBB-6467-C5D4-E254-9CA007D582E1}"/>
               </a:ext>
             </a:extLst>
           </p:cNvPr>
@@ -1450,7 +1450,7 @@
           <a:bodyPr/>
           <a:lstStyle/>
           <a:p>
-            <a:fld id="{7AC31D55-EABC-4EB7-A518-2E176A2F3A90}" type="slidenum">
+            <a:fld id="{C572CB54-E9FC-4A4B-8C01-3C30BD4F95B7}" type="slidenum">
               <a:rPr lang="zh-CN" altLang="en-US" smtClean="0"/>
               <a:t>‹#›</a:t>
             </a:fld>
@@ -1461,7 +1461,7 @@
     </p:spTree>
     <p:extLst>
       <p:ext uri="{BB962C8B-B14F-4D97-AF65-F5344CB8AC3E}">
-        <p14:creationId xmlns:p14="http://schemas.microsoft.com/office/powerpoint/2010/main" val="935569749"/>
+        <p14:creationId xmlns:p14="http://schemas.microsoft.com/office/powerpoint/2010/main" val="3675799019"/>
       </p:ext>
     </p:extLst>
   </p:cSld>
@@ -1493,7 +1493,7 @@
           <p:cNvPr id="2" name="标题 1">
             <a:extLst>
               <a:ext uri="{FF2B5EF4-FFF2-40B4-BE49-F238E27FC236}">
-                <a16:creationId xmlns:a16="http://schemas.microsoft.com/office/drawing/2014/main" id="{12B27F82-2E28-7C41-BED4-4045E95777ED}"/>
+                <a16:creationId xmlns:a16="http://schemas.microsoft.com/office/drawing/2014/main" id="{19F4309C-BA01-AAF2-B68C-AED1E1D96483}"/>
               </a:ext>
             </a:extLst>
           </p:cNvPr>
@@ -1526,7 +1526,7 @@
           <p:cNvPr id="3" name="文本占位符 2">
             <a:extLst>
               <a:ext uri="{FF2B5EF4-FFF2-40B4-BE49-F238E27FC236}">
-                <a16:creationId xmlns:a16="http://schemas.microsoft.com/office/drawing/2014/main" id="{6AD8064E-1ADD-3532-C007-DB6E4162D5E4}"/>
+                <a16:creationId xmlns:a16="http://schemas.microsoft.com/office/drawing/2014/main" id="{BDA547EF-B86A-4116-9EFA-68C9E12C8CB1}"/>
               </a:ext>
             </a:extLst>
           </p:cNvPr>
@@ -1597,7 +1597,7 @@
           <p:cNvPr id="4" name="内容占位符 3">
             <a:extLst>
               <a:ext uri="{FF2B5EF4-FFF2-40B4-BE49-F238E27FC236}">
-                <a16:creationId xmlns:a16="http://schemas.microsoft.com/office/drawing/2014/main" id="{57EACC63-57E7-10A7-61CB-33A3CD6766CF}"/>
+                <a16:creationId xmlns:a16="http://schemas.microsoft.com/office/drawing/2014/main" id="{535FFB1B-3794-241B-C2FD-CF1A14041C36}"/>
               </a:ext>
             </a:extLst>
           </p:cNvPr>
@@ -1659,7 +1659,7 @@
           <p:cNvPr id="5" name="文本占位符 4">
             <a:extLst>
               <a:ext uri="{FF2B5EF4-FFF2-40B4-BE49-F238E27FC236}">
-                <a16:creationId xmlns:a16="http://schemas.microsoft.com/office/drawing/2014/main" id="{9301FAD8-28E3-0203-CE9A-CFAB954FBE39}"/>
+                <a16:creationId xmlns:a16="http://schemas.microsoft.com/office/drawing/2014/main" id="{5805C074-2BBA-4AF4-5A31-B051E6D5DFAB}"/>
               </a:ext>
             </a:extLst>
           </p:cNvPr>
@@ -1730,7 +1730,7 @@
           <p:cNvPr id="6" name="内容占位符 5">
             <a:extLst>
               <a:ext uri="{FF2B5EF4-FFF2-40B4-BE49-F238E27FC236}">
-                <a16:creationId xmlns:a16="http://schemas.microsoft.com/office/drawing/2014/main" id="{6F37C942-C6B0-5D5D-E54C-AF49906398E3}"/>
+                <a16:creationId xmlns:a16="http://schemas.microsoft.com/office/drawing/2014/main" id="{D95D744B-5007-BFC1-24CE-542F503D84E6}"/>
               </a:ext>
             </a:extLst>
           </p:cNvPr>
@@ -1792,7 +1792,7 @@
           <p:cNvPr id="7" name="日期占位符 6">
             <a:extLst>
               <a:ext uri="{FF2B5EF4-FFF2-40B4-BE49-F238E27FC236}">
-                <a16:creationId xmlns:a16="http://schemas.microsoft.com/office/drawing/2014/main" id="{7FDC003E-B3CB-2BFA-D219-9F5F97205253}"/>
+                <a16:creationId xmlns:a16="http://schemas.microsoft.com/office/drawing/2014/main" id="{21F52F16-C82A-6C9A-1B90-CB30E1F6BF29}"/>
               </a:ext>
             </a:extLst>
           </p:cNvPr>
@@ -1808,7 +1808,7 @@
           <a:bodyPr/>
           <a:lstStyle/>
           <a:p>
-            <a:fld id="{049BC265-C378-482E-A52E-24A485315E7D}" type="datetimeFigureOut">
+            <a:fld id="{8E28422E-4DC1-4F94-9EF2-FB6AD0D43F21}" type="datetimeFigureOut">
               <a:rPr lang="zh-CN" altLang="en-US" smtClean="0"/>
               <a:t>2024/3/10</a:t>
             </a:fld>
@@ -1821,7 +1821,7 @@
           <p:cNvPr id="8" name="页脚占位符 7">
             <a:extLst>
               <a:ext uri="{FF2B5EF4-FFF2-40B4-BE49-F238E27FC236}">
-                <a16:creationId xmlns:a16="http://schemas.microsoft.com/office/drawing/2014/main" id="{89F093FA-9268-9583-3CE6-E5567939BF0A}"/>
+                <a16:creationId xmlns:a16="http://schemas.microsoft.com/office/drawing/2014/main" id="{D567D278-7986-0A08-2433-7A1F8EFEFB96}"/>
               </a:ext>
             </a:extLst>
           </p:cNvPr>
@@ -1846,7 +1846,7 @@
           <p:cNvPr id="9" name="灯片编号占位符 8">
             <a:extLst>
               <a:ext uri="{FF2B5EF4-FFF2-40B4-BE49-F238E27FC236}">
-                <a16:creationId xmlns:a16="http://schemas.microsoft.com/office/drawing/2014/main" id="{BF64457B-883E-FC63-D143-7961C4516F76}"/>
+                <a16:creationId xmlns:a16="http://schemas.microsoft.com/office/drawing/2014/main" id="{1603F8DD-6FFB-074D-06C2-FD3C081CFE05}"/>
               </a:ext>
             </a:extLst>
           </p:cNvPr>
@@ -1862,7 +1862,7 @@
           <a:bodyPr/>
           <a:lstStyle/>
           <a:p>
-            <a:fld id="{7AC31D55-EABC-4EB7-A518-2E176A2F3A90}" type="slidenum">
+            <a:fld id="{C572CB54-E9FC-4A4B-8C01-3C30BD4F95B7}" type="slidenum">
               <a:rPr lang="zh-CN" altLang="en-US" smtClean="0"/>
               <a:t>‹#›</a:t>
             </a:fld>
@@ -1873,7 +1873,7 @@
     </p:spTree>
     <p:extLst>
       <p:ext uri="{BB962C8B-B14F-4D97-AF65-F5344CB8AC3E}">
-        <p14:creationId xmlns:p14="http://schemas.microsoft.com/office/powerpoint/2010/main" val="2636192438"/>
+        <p14:creationId xmlns:p14="http://schemas.microsoft.com/office/powerpoint/2010/main" val="1329121921"/>
       </p:ext>
     </p:extLst>
   </p:cSld>
@@ -1905,7 +1905,7 @@
           <p:cNvPr id="2" name="标题 1">
             <a:extLst>
               <a:ext uri="{FF2B5EF4-FFF2-40B4-BE49-F238E27FC236}">
-                <a16:creationId xmlns:a16="http://schemas.microsoft.com/office/drawing/2014/main" id="{E2A92E81-D613-338B-2F71-01E84B0392BC}"/>
+                <a16:creationId xmlns:a16="http://schemas.microsoft.com/office/drawing/2014/main" id="{06AC43DE-CB49-2350-AD33-F8B3F64678CF}"/>
               </a:ext>
             </a:extLst>
           </p:cNvPr>
@@ -1933,7 +1933,7 @@
           <p:cNvPr id="3" name="日期占位符 2">
             <a:extLst>
               <a:ext uri="{FF2B5EF4-FFF2-40B4-BE49-F238E27FC236}">
-                <a16:creationId xmlns:a16="http://schemas.microsoft.com/office/drawing/2014/main" id="{58C05BA9-067E-6819-E663-F34792CD4DA8}"/>
+                <a16:creationId xmlns:a16="http://schemas.microsoft.com/office/drawing/2014/main" id="{39A59423-2AC0-CECF-FE10-32D72E478B73}"/>
               </a:ext>
             </a:extLst>
           </p:cNvPr>
@@ -1949,7 +1949,7 @@
           <a:bodyPr/>
           <a:lstStyle/>
           <a:p>
-            <a:fld id="{049BC265-C378-482E-A52E-24A485315E7D}" type="datetimeFigureOut">
+            <a:fld id="{8E28422E-4DC1-4F94-9EF2-FB6AD0D43F21}" type="datetimeFigureOut">
               <a:rPr lang="zh-CN" altLang="en-US" smtClean="0"/>
               <a:t>2024/3/10</a:t>
             </a:fld>
@@ -1962,7 +1962,7 @@
           <p:cNvPr id="4" name="页脚占位符 3">
             <a:extLst>
               <a:ext uri="{FF2B5EF4-FFF2-40B4-BE49-F238E27FC236}">
-                <a16:creationId xmlns:a16="http://schemas.microsoft.com/office/drawing/2014/main" id="{E87F1A92-5964-9696-EAE9-714A0B9755FF}"/>
+                <a16:creationId xmlns:a16="http://schemas.microsoft.com/office/drawing/2014/main" id="{A588D0B9-3E12-28F2-20C8-E9BC4DFA6A77}"/>
               </a:ext>
             </a:extLst>
           </p:cNvPr>
@@ -1987,7 +1987,7 @@
           <p:cNvPr id="5" name="灯片编号占位符 4">
             <a:extLst>
               <a:ext uri="{FF2B5EF4-FFF2-40B4-BE49-F238E27FC236}">
-                <a16:creationId xmlns:a16="http://schemas.microsoft.com/office/drawing/2014/main" id="{2FB728AF-BDAF-1AAD-CD04-209ABF6B704D}"/>
+                <a16:creationId xmlns:a16="http://schemas.microsoft.com/office/drawing/2014/main" id="{0471E6CF-B040-32DC-19AE-5E0AA98FCB83}"/>
               </a:ext>
             </a:extLst>
           </p:cNvPr>
@@ -2003,7 +2003,7 @@
           <a:bodyPr/>
           <a:lstStyle/>
           <a:p>
-            <a:fld id="{7AC31D55-EABC-4EB7-A518-2E176A2F3A90}" type="slidenum">
+            <a:fld id="{C572CB54-E9FC-4A4B-8C01-3C30BD4F95B7}" type="slidenum">
               <a:rPr lang="zh-CN" altLang="en-US" smtClean="0"/>
               <a:t>‹#›</a:t>
             </a:fld>
@@ -2014,7 +2014,7 @@
     </p:spTree>
     <p:extLst>
       <p:ext uri="{BB962C8B-B14F-4D97-AF65-F5344CB8AC3E}">
-        <p14:creationId xmlns:p14="http://schemas.microsoft.com/office/powerpoint/2010/main" val="3937579411"/>
+        <p14:creationId xmlns:p14="http://schemas.microsoft.com/office/powerpoint/2010/main" val="3587794904"/>
       </p:ext>
     </p:extLst>
   </p:cSld>
@@ -2046,7 +2046,7 @@
           <p:cNvPr id="2" name="日期占位符 1">
             <a:extLst>
               <a:ext uri="{FF2B5EF4-FFF2-40B4-BE49-F238E27FC236}">
-                <a16:creationId xmlns:a16="http://schemas.microsoft.com/office/drawing/2014/main" id="{60BADEA1-D96E-1856-E272-4A5A0C658DD9}"/>
+                <a16:creationId xmlns:a16="http://schemas.microsoft.com/office/drawing/2014/main" id="{613BD0B2-67D3-51C4-633C-A9029D2089FE}"/>
               </a:ext>
             </a:extLst>
           </p:cNvPr>
@@ -2062,7 +2062,7 @@
           <a:bodyPr/>
           <a:lstStyle/>
           <a:p>
-            <a:fld id="{049BC265-C378-482E-A52E-24A485315E7D}" type="datetimeFigureOut">
+            <a:fld id="{8E28422E-4DC1-4F94-9EF2-FB6AD0D43F21}" type="datetimeFigureOut">
               <a:rPr lang="zh-CN" altLang="en-US" smtClean="0"/>
               <a:t>2024/3/10</a:t>
             </a:fld>
@@ -2075,7 +2075,7 @@
           <p:cNvPr id="3" name="页脚占位符 2">
             <a:extLst>
               <a:ext uri="{FF2B5EF4-FFF2-40B4-BE49-F238E27FC236}">
-                <a16:creationId xmlns:a16="http://schemas.microsoft.com/office/drawing/2014/main" id="{6509A145-5A9B-564F-9774-4ACAA37C8A07}"/>
+                <a16:creationId xmlns:a16="http://schemas.microsoft.com/office/drawing/2014/main" id="{03CE4E8A-51BC-14B2-63D5-C9AAA9F3EEE4}"/>
               </a:ext>
             </a:extLst>
           </p:cNvPr>
@@ -2100,7 +2100,7 @@
           <p:cNvPr id="4" name="灯片编号占位符 3">
             <a:extLst>
               <a:ext uri="{FF2B5EF4-FFF2-40B4-BE49-F238E27FC236}">
-                <a16:creationId xmlns:a16="http://schemas.microsoft.com/office/drawing/2014/main" id="{F5AC4167-CC87-C421-2D48-AD8A87BC694E}"/>
+                <a16:creationId xmlns:a16="http://schemas.microsoft.com/office/drawing/2014/main" id="{21154F6D-E022-E179-020A-0C2B2362F6CA}"/>
               </a:ext>
             </a:extLst>
           </p:cNvPr>
@@ -2116,7 +2116,7 @@
           <a:bodyPr/>
           <a:lstStyle/>
           <a:p>
-            <a:fld id="{7AC31D55-EABC-4EB7-A518-2E176A2F3A90}" type="slidenum">
+            <a:fld id="{C572CB54-E9FC-4A4B-8C01-3C30BD4F95B7}" type="slidenum">
               <a:rPr lang="zh-CN" altLang="en-US" smtClean="0"/>
               <a:t>‹#›</a:t>
             </a:fld>
@@ -2127,7 +2127,7 @@
     </p:spTree>
     <p:extLst>
       <p:ext uri="{BB962C8B-B14F-4D97-AF65-F5344CB8AC3E}">
-        <p14:creationId xmlns:p14="http://schemas.microsoft.com/office/powerpoint/2010/main" val="2068467375"/>
+        <p14:creationId xmlns:p14="http://schemas.microsoft.com/office/powerpoint/2010/main" val="166779317"/>
       </p:ext>
     </p:extLst>
   </p:cSld>
@@ -2159,7 +2159,7 @@
           <p:cNvPr id="2" name="标题 1">
             <a:extLst>
               <a:ext uri="{FF2B5EF4-FFF2-40B4-BE49-F238E27FC236}">
-                <a16:creationId xmlns:a16="http://schemas.microsoft.com/office/drawing/2014/main" id="{50A82B7F-3114-BF2C-8BA1-A2E1F0CAD944}"/>
+                <a16:creationId xmlns:a16="http://schemas.microsoft.com/office/drawing/2014/main" id="{2C2131C6-ECE5-1D9D-BD9C-5D96F362B909}"/>
               </a:ext>
             </a:extLst>
           </p:cNvPr>
@@ -2196,7 +2196,7 @@
           <p:cNvPr id="3" name="内容占位符 2">
             <a:extLst>
               <a:ext uri="{FF2B5EF4-FFF2-40B4-BE49-F238E27FC236}">
-                <a16:creationId xmlns:a16="http://schemas.microsoft.com/office/drawing/2014/main" id="{899B49B8-E4DA-1B87-BA69-289FFD25C3DA}"/>
+                <a16:creationId xmlns:a16="http://schemas.microsoft.com/office/drawing/2014/main" id="{8906C8D3-ED81-3095-2365-530E0AD23FE3}"/>
               </a:ext>
             </a:extLst>
           </p:cNvPr>
@@ -2286,7 +2286,7 @@
           <p:cNvPr id="4" name="文本占位符 3">
             <a:extLst>
               <a:ext uri="{FF2B5EF4-FFF2-40B4-BE49-F238E27FC236}">
-                <a16:creationId xmlns:a16="http://schemas.microsoft.com/office/drawing/2014/main" id="{BD82C613-4A6F-869F-6242-DB0FCEFEB6C8}"/>
+                <a16:creationId xmlns:a16="http://schemas.microsoft.com/office/drawing/2014/main" id="{9F94ECF9-2E15-B386-0FB4-BC452FF48870}"/>
               </a:ext>
             </a:extLst>
           </p:cNvPr>
@@ -2357,7 +2357,7 @@
           <p:cNvPr id="5" name="日期占位符 4">
             <a:extLst>
               <a:ext uri="{FF2B5EF4-FFF2-40B4-BE49-F238E27FC236}">
-                <a16:creationId xmlns:a16="http://schemas.microsoft.com/office/drawing/2014/main" id="{5ACAB67E-DDED-7B6F-4C53-B5509EE4C14E}"/>
+                <a16:creationId xmlns:a16="http://schemas.microsoft.com/office/drawing/2014/main" id="{8244FC1D-C1C6-B2F6-44F9-B2B89A559982}"/>
               </a:ext>
             </a:extLst>
           </p:cNvPr>
@@ -2373,7 +2373,7 @@
           <a:bodyPr/>
           <a:lstStyle/>
           <a:p>
-            <a:fld id="{049BC265-C378-482E-A52E-24A485315E7D}" type="datetimeFigureOut">
+            <a:fld id="{8E28422E-4DC1-4F94-9EF2-FB6AD0D43F21}" type="datetimeFigureOut">
               <a:rPr lang="zh-CN" altLang="en-US" smtClean="0"/>
               <a:t>2024/3/10</a:t>
             </a:fld>
@@ -2386,7 +2386,7 @@
           <p:cNvPr id="6" name="页脚占位符 5">
             <a:extLst>
               <a:ext uri="{FF2B5EF4-FFF2-40B4-BE49-F238E27FC236}">
-                <a16:creationId xmlns:a16="http://schemas.microsoft.com/office/drawing/2014/main" id="{497DA6EF-2F74-6F15-897E-9DA81DD2988F}"/>
+                <a16:creationId xmlns:a16="http://schemas.microsoft.com/office/drawing/2014/main" id="{7567A3CE-A332-2EF3-EB3D-F15079887002}"/>
               </a:ext>
             </a:extLst>
           </p:cNvPr>
@@ -2411,7 +2411,7 @@
           <p:cNvPr id="7" name="灯片编号占位符 6">
             <a:extLst>
               <a:ext uri="{FF2B5EF4-FFF2-40B4-BE49-F238E27FC236}">
-                <a16:creationId xmlns:a16="http://schemas.microsoft.com/office/drawing/2014/main" id="{384B9E80-52DC-9DA4-42F3-BEEA978CE316}"/>
+                <a16:creationId xmlns:a16="http://schemas.microsoft.com/office/drawing/2014/main" id="{F1AC82DA-1CDF-DBB2-9625-D65E27D1C8E7}"/>
               </a:ext>
             </a:extLst>
           </p:cNvPr>
@@ -2427,7 +2427,7 @@
           <a:bodyPr/>
           <a:lstStyle/>
           <a:p>
-            <a:fld id="{7AC31D55-EABC-4EB7-A518-2E176A2F3A90}" type="slidenum">
+            <a:fld id="{C572CB54-E9FC-4A4B-8C01-3C30BD4F95B7}" type="slidenum">
               <a:rPr lang="zh-CN" altLang="en-US" smtClean="0"/>
               <a:t>‹#›</a:t>
             </a:fld>
@@ -2438,7 +2438,7 @@
     </p:spTree>
     <p:extLst>
       <p:ext uri="{BB962C8B-B14F-4D97-AF65-F5344CB8AC3E}">
-        <p14:creationId xmlns:p14="http://schemas.microsoft.com/office/powerpoint/2010/main" val="1644561762"/>
+        <p14:creationId xmlns:p14="http://schemas.microsoft.com/office/powerpoint/2010/main" val="2249787348"/>
       </p:ext>
     </p:extLst>
   </p:cSld>
@@ -2470,7 +2470,7 @@
           <p:cNvPr id="2" name="标题 1">
             <a:extLst>
               <a:ext uri="{FF2B5EF4-FFF2-40B4-BE49-F238E27FC236}">
-                <a16:creationId xmlns:a16="http://schemas.microsoft.com/office/drawing/2014/main" id="{A9DC04C3-3C52-8575-03A3-4C67BA7F5731}"/>
+                <a16:creationId xmlns:a16="http://schemas.microsoft.com/office/drawing/2014/main" id="{E812796E-3D33-7F1E-AD8C-EE761ADCC10C}"/>
               </a:ext>
             </a:extLst>
           </p:cNvPr>
@@ -2507,7 +2507,7 @@
           <p:cNvPr id="3" name="图片占位符 2">
             <a:extLst>
               <a:ext uri="{FF2B5EF4-FFF2-40B4-BE49-F238E27FC236}">
-                <a16:creationId xmlns:a16="http://schemas.microsoft.com/office/drawing/2014/main" id="{DBDD5315-DE8F-7994-2A82-38EE88B1FC11}"/>
+                <a16:creationId xmlns:a16="http://schemas.microsoft.com/office/drawing/2014/main" id="{A87EC152-0A70-0B98-C97C-E32E3570DC0D}"/>
               </a:ext>
             </a:extLst>
           </p:cNvPr>
@@ -2574,7 +2574,7 @@
           <p:cNvPr id="4" name="文本占位符 3">
             <a:extLst>
               <a:ext uri="{FF2B5EF4-FFF2-40B4-BE49-F238E27FC236}">
-                <a16:creationId xmlns:a16="http://schemas.microsoft.com/office/drawing/2014/main" id="{5A3819E5-DA5F-3E64-C282-C2988CD6144C}"/>
+                <a16:creationId xmlns:a16="http://schemas.microsoft.com/office/drawing/2014/main" id="{900F10C4-3FFE-065E-0004-A199574B786F}"/>
               </a:ext>
             </a:extLst>
           </p:cNvPr>
@@ -2645,7 +2645,7 @@
           <p:cNvPr id="5" name="日期占位符 4">
             <a:extLst>
               <a:ext uri="{FF2B5EF4-FFF2-40B4-BE49-F238E27FC236}">
-                <a16:creationId xmlns:a16="http://schemas.microsoft.com/office/drawing/2014/main" id="{ECE10013-2560-38B0-B90C-E8A2DBB6895C}"/>
+                <a16:creationId xmlns:a16="http://schemas.microsoft.com/office/drawing/2014/main" id="{B19A37CB-D182-71A5-5C1C-B59E8ED09148}"/>
               </a:ext>
             </a:extLst>
           </p:cNvPr>
@@ -2661,7 +2661,7 @@
           <a:bodyPr/>
           <a:lstStyle/>
           <a:p>
-            <a:fld id="{049BC265-C378-482E-A52E-24A485315E7D}" type="datetimeFigureOut">
+            <a:fld id="{8E28422E-4DC1-4F94-9EF2-FB6AD0D43F21}" type="datetimeFigureOut">
               <a:rPr lang="zh-CN" altLang="en-US" smtClean="0"/>
               <a:t>2024/3/10</a:t>
             </a:fld>
@@ -2674,7 +2674,7 @@
           <p:cNvPr id="6" name="页脚占位符 5">
             <a:extLst>
               <a:ext uri="{FF2B5EF4-FFF2-40B4-BE49-F238E27FC236}">
-                <a16:creationId xmlns:a16="http://schemas.microsoft.com/office/drawing/2014/main" id="{892C976E-8ECC-C3FF-B630-19EB26B86496}"/>
+                <a16:creationId xmlns:a16="http://schemas.microsoft.com/office/drawing/2014/main" id="{A33BAE79-4017-4D97-C13A-8E0589CE95DA}"/>
               </a:ext>
             </a:extLst>
           </p:cNvPr>
@@ -2699,7 +2699,7 @@
           <p:cNvPr id="7" name="灯片编号占位符 6">
             <a:extLst>
               <a:ext uri="{FF2B5EF4-FFF2-40B4-BE49-F238E27FC236}">
-                <a16:creationId xmlns:a16="http://schemas.microsoft.com/office/drawing/2014/main" id="{95AA271D-76A8-1B17-A35B-9A7AD501C19D}"/>
+                <a16:creationId xmlns:a16="http://schemas.microsoft.com/office/drawing/2014/main" id="{30CC2516-E5ED-F582-4926-1FDC572586CB}"/>
               </a:ext>
             </a:extLst>
           </p:cNvPr>
@@ -2715,7 +2715,7 @@
           <a:bodyPr/>
           <a:lstStyle/>
           <a:p>
-            <a:fld id="{7AC31D55-EABC-4EB7-A518-2E176A2F3A90}" type="slidenum">
+            <a:fld id="{C572CB54-E9FC-4A4B-8C01-3C30BD4F95B7}" type="slidenum">
               <a:rPr lang="zh-CN" altLang="en-US" smtClean="0"/>
               <a:t>‹#›</a:t>
             </a:fld>
@@ -2726,7 +2726,7 @@
     </p:spTree>
     <p:extLst>
       <p:ext uri="{BB962C8B-B14F-4D97-AF65-F5344CB8AC3E}">
-        <p14:creationId xmlns:p14="http://schemas.microsoft.com/office/powerpoint/2010/main" val="2394608112"/>
+        <p14:creationId xmlns:p14="http://schemas.microsoft.com/office/powerpoint/2010/main" val="2484290418"/>
       </p:ext>
     </p:extLst>
   </p:cSld>
@@ -2763,7 +2763,7 @@
           <p:cNvPr id="2" name="标题占位符 1">
             <a:extLst>
               <a:ext uri="{FF2B5EF4-FFF2-40B4-BE49-F238E27FC236}">
-                <a16:creationId xmlns:a16="http://schemas.microsoft.com/office/drawing/2014/main" id="{9B6C611D-B8D7-789C-C46B-74953AE17B0B}"/>
+                <a16:creationId xmlns:a16="http://schemas.microsoft.com/office/drawing/2014/main" id="{D4E24CF9-0C00-5244-5762-201417516B80}"/>
               </a:ext>
             </a:extLst>
           </p:cNvPr>
@@ -2801,7 +2801,7 @@
           <p:cNvPr id="3" name="文本占位符 2">
             <a:extLst>
               <a:ext uri="{FF2B5EF4-FFF2-40B4-BE49-F238E27FC236}">
-                <a16:creationId xmlns:a16="http://schemas.microsoft.com/office/drawing/2014/main" id="{6A46990B-BA9F-1EF9-39EF-B6DE9FDBC74E}"/>
+                <a16:creationId xmlns:a16="http://schemas.microsoft.com/office/drawing/2014/main" id="{11998A87-DF87-B3AD-EA2A-F47347462211}"/>
               </a:ext>
             </a:extLst>
           </p:cNvPr>
@@ -2868,7 +2868,7 @@
           <p:cNvPr id="4" name="日期占位符 3">
             <a:extLst>
               <a:ext uri="{FF2B5EF4-FFF2-40B4-BE49-F238E27FC236}">
-                <a16:creationId xmlns:a16="http://schemas.microsoft.com/office/drawing/2014/main" id="{C88C441D-912B-5707-F6F7-B939C3AAE0BF}"/>
+                <a16:creationId xmlns:a16="http://schemas.microsoft.com/office/drawing/2014/main" id="{329C4CAB-6BA1-2009-FB96-BD36E7F00FDA}"/>
               </a:ext>
             </a:extLst>
           </p:cNvPr>
@@ -2902,7 +2902,7 @@
             </a:lvl1pPr>
           </a:lstStyle>
           <a:p>
-            <a:fld id="{049BC265-C378-482E-A52E-24A485315E7D}" type="datetimeFigureOut">
+            <a:fld id="{8E28422E-4DC1-4F94-9EF2-FB6AD0D43F21}" type="datetimeFigureOut">
               <a:rPr lang="zh-CN" altLang="en-US" smtClean="0"/>
               <a:t>2024/3/10</a:t>
             </a:fld>
@@ -2915,7 +2915,7 @@
           <p:cNvPr id="5" name="页脚占位符 4">
             <a:extLst>
               <a:ext uri="{FF2B5EF4-FFF2-40B4-BE49-F238E27FC236}">
-                <a16:creationId xmlns:a16="http://schemas.microsoft.com/office/drawing/2014/main" id="{C6887D36-DCD0-FD65-ABD6-E98CF5D41A7A}"/>
+                <a16:creationId xmlns:a16="http://schemas.microsoft.com/office/drawing/2014/main" id="{5BA3F5CC-7E25-7F72-5A89-A06A189331F5}"/>
               </a:ext>
             </a:extLst>
           </p:cNvPr>
@@ -2958,7 +2958,7 @@
           <p:cNvPr id="6" name="灯片编号占位符 5">
             <a:extLst>
               <a:ext uri="{FF2B5EF4-FFF2-40B4-BE49-F238E27FC236}">
-                <a16:creationId xmlns:a16="http://schemas.microsoft.com/office/drawing/2014/main" id="{4A157380-46D8-60EC-10C3-2408D3599669}"/>
+                <a16:creationId xmlns:a16="http://schemas.microsoft.com/office/drawing/2014/main" id="{321FFE3D-9358-E3A5-20C2-5CAC24009C5E}"/>
               </a:ext>
             </a:extLst>
           </p:cNvPr>
@@ -2992,7 +2992,7 @@
             </a:lvl1pPr>
           </a:lstStyle>
           <a:p>
-            <a:fld id="{7AC31D55-EABC-4EB7-A518-2E176A2F3A90}" type="slidenum">
+            <a:fld id="{C572CB54-E9FC-4A4B-8C01-3C30BD4F95B7}" type="slidenum">
               <a:rPr lang="zh-CN" altLang="en-US" smtClean="0"/>
               <a:t>‹#›</a:t>
             </a:fld>
@@ -3003,7 +3003,7 @@
     </p:spTree>
     <p:extLst>
       <p:ext uri="{BB962C8B-B14F-4D97-AF65-F5344CB8AC3E}">
-        <p14:creationId xmlns:p14="http://schemas.microsoft.com/office/powerpoint/2010/main" val="1970569591"/>
+        <p14:creationId xmlns:p14="http://schemas.microsoft.com/office/powerpoint/2010/main" val="4230290294"/>
       </p:ext>
     </p:extLst>
   </p:cSld>
@@ -3323,7 +3323,7 @@
       </p:grpSpPr>
       <p:pic>
         <p:nvPicPr>
-          <p:cNvPr id="910338" name="Picture 2" descr="888"/>
+          <p:cNvPr id="911362" name="Picture 2" descr="889"/>
           <p:cNvPicPr>
             <a:picLocks noChangeAspect="1" noChangeArrowheads="1"/>
           </p:cNvPicPr>
@@ -3344,8 +3344,8 @@
         </p:blipFill>
         <p:spPr bwMode="auto">
           <a:xfrm>
-            <a:off x="1524000" y="1"/>
-            <a:ext cx="9124950" cy="6843713"/>
+            <a:off x="1524000" y="0"/>
+            <a:ext cx="9144000" cy="6858000"/>
           </a:xfrm>
           <a:prstGeom prst="rect">
             <a:avLst/>
